--- a/Bryan/Slides/Predicting Cardiac Category using Biomedical Data and ML.pptx
+++ b/Bryan/Slides/Predicting Cardiac Category using Biomedical Data and ML.pptx
@@ -3792,42 +3792,42 @@
           <a:p>
             <a:pPr lvl="1"/>
             <a:r>
-              <a:rPr lang="en-SG" sz="1200" dirty="0" err="1"/>
+              <a:rPr lang="en-SG" sz="1600" dirty="0" err="1"/>
               <a:t>DecisionTreeClassifier</a:t>
             </a:r>
-            <a:endParaRPr lang="en-SG" sz="1200" dirty="0"/>
+            <a:endParaRPr lang="en-SG" sz="1600" dirty="0"/>
           </a:p>
           <a:p>
             <a:pPr lvl="1"/>
             <a:r>
-              <a:rPr lang="en-SG" sz="1200" dirty="0" err="1"/>
+              <a:rPr lang="en-SG" sz="1600" dirty="0" err="1"/>
               <a:t>RandomForestClassifier</a:t>
             </a:r>
-            <a:endParaRPr lang="en-SG" sz="1200" dirty="0"/>
+            <a:endParaRPr lang="en-SG" sz="1600" dirty="0"/>
           </a:p>
           <a:p>
             <a:pPr lvl="1"/>
             <a:r>
-              <a:rPr lang="en-SG" sz="1200" dirty="0" err="1"/>
+              <a:rPr lang="en-SG" sz="1600" dirty="0" err="1"/>
               <a:t>XGBClassifier</a:t>
             </a:r>
-            <a:endParaRPr lang="en-SG" sz="1200" dirty="0"/>
+            <a:endParaRPr lang="en-SG" sz="1600" dirty="0"/>
           </a:p>
           <a:p>
             <a:pPr lvl="1"/>
             <a:r>
-              <a:rPr lang="en-SG" sz="1200" dirty="0" err="1"/>
+              <a:rPr lang="en-SG" sz="1600" dirty="0" err="1"/>
               <a:t>GradientBoostingClassifier</a:t>
             </a:r>
-            <a:endParaRPr lang="en-SG" sz="1200" dirty="0"/>
+            <a:endParaRPr lang="en-SG" sz="1600" dirty="0"/>
           </a:p>
           <a:p>
             <a:pPr lvl="1"/>
             <a:r>
-              <a:rPr lang="en-SG" sz="1200" dirty="0" err="1"/>
+              <a:rPr lang="en-SG" sz="1600" dirty="0" err="1"/>
               <a:t>LGBMClassifier</a:t>
             </a:r>
-            <a:endParaRPr lang="en-SG" sz="1200" dirty="0"/>
+            <a:endParaRPr lang="en-SG" sz="1600" dirty="0"/>
           </a:p>
           <a:p>
             <a:pPr marL="0" indent="0">
@@ -4270,7 +4270,7 @@
             </a:r>
             <a:r>
               <a:rPr lang="en-SG" sz="1400" dirty="0"/>
-              <a:t> RFECV (Recursive Feature Elimination with Cross Validation) using the best performing algorithm for the previous dataset (</a:t>
+              <a:t> RFECV (Recursive Feature Elimination with Cross Validation) using the best performing algorithm from the previous dataset (</a:t>
             </a:r>
             <a:r>
               <a:rPr lang="en-SG" sz="1400" dirty="0" err="1"/>
@@ -23734,7 +23734,7 @@
             </a:pPr>
             <a:r>
               <a:rPr lang="en-SG" sz="2000" dirty="0"/>
-              <a:t>Recall</a:t>
+              <a:t>Recall (Sensitivity)</a:t>
             </a:r>
           </a:p>
           <a:p>
@@ -23750,7 +23750,7 @@
             </a:pPr>
             <a:r>
               <a:rPr lang="en-SG" sz="2000" dirty="0"/>
-              <a:t>Precision</a:t>
+              <a:t>Precision (Specificity)</a:t>
             </a:r>
           </a:p>
           <a:p>
@@ -24429,8 +24429,8 @@
         </p:blipFill>
         <p:spPr bwMode="auto">
           <a:xfrm>
-            <a:off x="8639742" y="4047553"/>
-            <a:ext cx="2938268" cy="2685951"/>
+            <a:off x="8931818" y="4314548"/>
+            <a:ext cx="2646192" cy="2418956"/>
           </a:xfrm>
           <a:prstGeom prst="rect">
             <a:avLst/>
@@ -24447,8 +24447,8 @@
           </a:extLst>
         </p:spPr>
       </p:pic>
-      <mc:AlternateContent xmlns:mc="http://schemas.openxmlformats.org/markup-compatibility/2006" xmlns:a14="http://schemas.microsoft.com/office/drawing/2010/main">
-        <mc:Choice Requires="a14">
+      <mc:AlternateContent xmlns:mc="http://schemas.openxmlformats.org/markup-compatibility/2006">
+        <mc:Choice xmlns:a14="http://schemas.microsoft.com/office/drawing/2010/main" Requires="a14">
           <p:sp>
             <p:nvSpPr>
               <p:cNvPr id="19" name="TextBox 18">
@@ -24463,7 +24463,7 @@
             </p:nvSpPr>
             <p:spPr>
               <a:xfrm>
-                <a:off x="8992079" y="1232642"/>
+                <a:off x="9114418" y="617057"/>
                 <a:ext cx="2714058" cy="1754326"/>
               </a:xfrm>
               <a:prstGeom prst="rect">
@@ -24668,7 +24668,7 @@
             </p:txBody>
           </p:sp>
         </mc:Choice>
-        <mc:Fallback xmlns="">
+        <mc:Fallback>
           <p:sp>
             <p:nvSpPr>
               <p:cNvPr id="19" name="TextBox 18">
@@ -24685,7 +24685,7 @@
             </p:nvSpPr>
             <p:spPr>
               <a:xfrm>
-                <a:off x="8992079" y="1232642"/>
+                <a:off x="9114418" y="617057"/>
                 <a:ext cx="2714058" cy="1754326"/>
               </a:xfrm>
               <a:prstGeom prst="rect">
@@ -24713,6 +24713,53 @@
           </p:sp>
         </mc:Fallback>
       </mc:AlternateContent>
+      <p:pic>
+        <p:nvPicPr>
+          <p:cNvPr id="1026" name="Picture 2" descr="Demystifying the Confusion Matrix Using a Business Example | by Mohd Zuhaib  | Towards Data Science">
+            <a:extLst>
+              <a:ext uri="{FF2B5EF4-FFF2-40B4-BE49-F238E27FC236}">
+                <a16:creationId xmlns:a16="http://schemas.microsoft.com/office/drawing/2014/main" id="{9A420714-3399-4DDD-8725-E950684C487A}"/>
+              </a:ext>
+            </a:extLst>
+          </p:cNvPr>
+          <p:cNvPicPr>
+            <a:picLocks noChangeAspect="1" noChangeArrowheads="1"/>
+          </p:cNvPicPr>
+          <p:nvPr/>
+        </p:nvPicPr>
+        <p:blipFill>
+          <a:blip r:embed="rId8">
+            <a:extLst>
+              <a:ext uri="{28A0092B-C50C-407E-A947-70E740481C1C}">
+                <a14:useLocalDpi xmlns:a14="http://schemas.microsoft.com/office/drawing/2010/main" val="0"/>
+              </a:ext>
+            </a:extLst>
+          </a:blip>
+          <a:srcRect/>
+          <a:stretch>
+            <a:fillRect/>
+          </a:stretch>
+        </p:blipFill>
+        <p:spPr bwMode="auto">
+          <a:xfrm>
+            <a:off x="8858984" y="2495022"/>
+            <a:ext cx="3066451" cy="1588353"/>
+          </a:xfrm>
+          <a:prstGeom prst="rect">
+            <a:avLst/>
+          </a:prstGeom>
+          <a:noFill/>
+          <a:extLst>
+            <a:ext uri="{909E8E84-426E-40DD-AFC4-6F175D3DCCD1}">
+              <a14:hiddenFill xmlns:a14="http://schemas.microsoft.com/office/drawing/2010/main">
+                <a:solidFill>
+                  <a:srgbClr val="FFFFFF"/>
+                </a:solidFill>
+              </a14:hiddenFill>
+            </a:ext>
+          </a:extLst>
+        </p:spPr>
+      </p:pic>
     </p:spTree>
     <p:extLst>
       <p:ext uri="{BB962C8B-B14F-4D97-AF65-F5344CB8AC3E}">
@@ -24776,7 +24823,7 @@
             </a:pPr>
             <a:r>
               <a:rPr lang="en-SG" sz="2000" b="1" dirty="0"/>
-              <a:t>Classifier Models used</a:t>
+              <a:t>Classifier Models Compared</a:t>
             </a:r>
             <a:r>
               <a:rPr lang="en-SG" sz="2000" dirty="0"/>
@@ -25590,7 +25637,7 @@
             </a:pPr>
             <a:r>
               <a:rPr lang="en-SG" sz="2000" dirty="0"/>
-              <a:t>Both classes are deemed to be equally important to identify</a:t>
+              <a:t>Both classes are assumed to be equally important to identify</a:t>
             </a:r>
           </a:p>
           <a:p>
@@ -26152,8 +26199,8 @@
         </p:blipFill>
         <p:spPr>
           <a:xfrm>
-            <a:off x="4790114" y="2122305"/>
-            <a:ext cx="6742184" cy="3278552"/>
+            <a:off x="4314548" y="1891049"/>
+            <a:ext cx="7217750" cy="3509808"/>
           </a:xfrm>
           <a:prstGeom prst="rect">
             <a:avLst/>
@@ -26372,7 +26419,7 @@
             </a:pPr>
             <a:r>
               <a:rPr lang="en-SG" sz="1600" dirty="0"/>
-              <a:t>Due to small sample size, these score may be an overly optimistic representation of real-world performance. More data would is necessary to further support this conclusion.</a:t>
+              <a:t>Due to small sample size, these score may be an overly optimistic representation of real-world performance. More data would is necessary to further support the above conclusion.</a:t>
             </a:r>
           </a:p>
         </p:txBody>
